--- a/Slides/1 - Getting started.pptx
+++ b/Slides/1 - Getting started.pptx
@@ -5,10 +5,10 @@
     <p:sldMasterId id="2147484082" r:id="rId36"/>
   </p:sldMasterIdLst>
   <p:notesMasterIdLst>
-    <p:notesMasterId r:id="rId45"/>
+    <p:notesMasterId r:id="rId46"/>
   </p:notesMasterIdLst>
   <p:handoutMasterIdLst>
-    <p:handoutMasterId r:id="rId46"/>
+    <p:handoutMasterId r:id="rId47"/>
   </p:handoutMasterIdLst>
   <p:sldIdLst>
     <p:sldId id="283" r:id="rId37"/>
@@ -18,7 +18,8 @@
     <p:sldId id="292" r:id="rId41"/>
     <p:sldId id="293" r:id="rId42"/>
     <p:sldId id="294" r:id="rId43"/>
-    <p:sldId id="257" r:id="rId44"/>
+    <p:sldId id="295" r:id="rId44"/>
+    <p:sldId id="257" r:id="rId45"/>
   </p:sldIdLst>
   <p:sldSz cx="12436475" cy="6994525"/>
   <p:notesSz cx="6858000" cy="9144000"/>
@@ -129,6 +130,7 @@
             <p14:sldId id="292"/>
             <p14:sldId id="293"/>
             <p14:sldId id="294"/>
+            <p14:sldId id="295"/>
             <p14:sldId id="257"/>
           </p14:sldIdLst>
         </p14:section>
@@ -170,12 +172,8 @@
 <p:cmAuthorLst xmlns:a="http://schemas.openxmlformats.org/drawingml/2006/main" xmlns:r="http://schemas.openxmlformats.org/officeDocument/2006/relationships" xmlns:p="http://schemas.openxmlformats.org/presentationml/2006/main">
   <p:cmAuthor id="0" name="Saku Uchikawa" initials="SU" lastIdx="11" clrIdx="0"/>
   <p:cmAuthor id="1" name="Mary Feil-Jacobs" initials="MFJ" lastIdx="43" clrIdx="1"/>
-  <p:cmAuthor id="2" name="Monica Lueder" initials="ML" lastIdx="22" clrIdx="2">
-    <p:extLst/>
-  </p:cmAuthor>
-  <p:cmAuthor id="3" name="Mary Feil-Jacobs" initials="MF" lastIdx="22" clrIdx="3">
-    <p:extLst/>
-  </p:cmAuthor>
+  <p:cmAuthor id="2" name="Monica Lueder" initials="ML" lastIdx="22" clrIdx="2"/>
+  <p:cmAuthor id="3" name="Mary Feil-Jacobs" initials="MF" lastIdx="22" clrIdx="3"/>
 </p:cmAuthorLst>
 </file>
 
@@ -9636,7 +9634,7 @@
               <a:rPr lang="en-US" smtClean="0">
                 <a:latin typeface="Segoe UI" pitchFamily="34" charset="0"/>
               </a:rPr>
-              <a:t>5/24/2019 8:52 AM</a:t>
+              <a:t>6/9/2019 3:52 PM</a:t>
             </a:fld>
             <a:endParaRPr lang="en-US" dirty="0">
               <a:latin typeface="Segoe UI" pitchFamily="34" charset="0"/>
@@ -9914,7 +9912,7 @@
           <a:p>
             <a:fld id="{38EEC551-8CDA-4EB6-89BB-2A86C9F091C8}" type="datetime8">
               <a:rPr lang="en-US" smtClean="0"/>
-              <a:t>5/24/2019 8:52 AM</a:t>
+              <a:t>6/9/2019 3:51 PM</a:t>
             </a:fld>
             <a:endParaRPr lang="en-US" dirty="0"/>
           </a:p>
@@ -12194,7 +12192,6 @@
             <a:ln>
               <a:noFill/>
             </a:ln>
-            <a:extLst/>
           </p:spPr>
           <p:txBody>
             <a:bodyPr vert="horz" wrap="square" lIns="91440" tIns="45720" rIns="91440" bIns="45720" numCol="1" anchor="t" anchorCtr="0" compatLnSpc="1">
@@ -12308,7 +12305,6 @@
             <a:ln>
               <a:noFill/>
             </a:ln>
-            <a:extLst/>
           </p:spPr>
           <p:txBody>
             <a:bodyPr vert="horz" wrap="square" lIns="91440" tIns="45720" rIns="91440" bIns="45720" numCol="1" anchor="t" anchorCtr="0" compatLnSpc="1">
@@ -12621,7 +12617,6 @@
             <a:ln>
               <a:noFill/>
             </a:ln>
-            <a:extLst/>
           </p:spPr>
           <p:txBody>
             <a:bodyPr vert="horz" wrap="square" lIns="91440" tIns="45720" rIns="91440" bIns="45720" numCol="1" anchor="t" anchorCtr="0" compatLnSpc="1">
@@ -12762,7 +12757,6 @@
             <a:ln>
               <a:noFill/>
             </a:ln>
-            <a:extLst/>
           </p:spPr>
           <p:txBody>
             <a:bodyPr vert="horz" wrap="square" lIns="91440" tIns="45720" rIns="91440" bIns="45720" numCol="1" anchor="t" anchorCtr="0" compatLnSpc="1">
@@ -13247,7 +13241,6 @@
               <a:ln>
                 <a:noFill/>
               </a:ln>
-              <a:extLst/>
             </p:spPr>
             <p:txBody>
               <a:bodyPr vert="horz" wrap="square" lIns="91440" tIns="45720" rIns="91440" bIns="45720" numCol="1" anchor="t" anchorCtr="0" compatLnSpc="1">
@@ -13351,7 +13344,6 @@
               <a:ln>
                 <a:noFill/>
               </a:ln>
-              <a:extLst/>
             </p:spPr>
             <p:txBody>
               <a:bodyPr vert="horz" wrap="square" lIns="91440" tIns="45720" rIns="91440" bIns="45720" numCol="1" anchor="t" anchorCtr="0" compatLnSpc="1">
@@ -13671,7 +13663,6 @@
               <a:ln>
                 <a:noFill/>
               </a:ln>
-              <a:extLst/>
             </p:spPr>
             <p:txBody>
               <a:bodyPr vert="horz" wrap="square" lIns="91440" tIns="45720" rIns="91440" bIns="45720" numCol="1" anchor="t" anchorCtr="0" compatLnSpc="1">
@@ -13992,7 +13983,6 @@
               <a:ln>
                 <a:noFill/>
               </a:ln>
-              <a:extLst/>
             </p:spPr>
             <p:txBody>
               <a:bodyPr vert="horz" wrap="square" lIns="91440" tIns="45720" rIns="91440" bIns="45720" numCol="1" anchor="t" anchorCtr="0" compatLnSpc="1">
@@ -14096,7 +14086,6 @@
               <a:ln>
                 <a:noFill/>
               </a:ln>
-              <a:extLst/>
             </p:spPr>
             <p:txBody>
               <a:bodyPr vert="horz" wrap="square" lIns="91440" tIns="45720" rIns="91440" bIns="45720" numCol="1" anchor="t" anchorCtr="0" compatLnSpc="1">
@@ -15387,7 +15376,6 @@
             <a:ln>
               <a:noFill/>
             </a:ln>
-            <a:extLst/>
           </p:spPr>
           <p:txBody>
             <a:bodyPr vert="horz" wrap="square" lIns="91440" tIns="45720" rIns="91440" bIns="45720" numCol="1" anchor="t" anchorCtr="0" compatLnSpc="1">
@@ -19640,18 +19628,6 @@
   <p:clrMapOvr>
     <a:masterClrMapping/>
   </p:clrMapOvr>
-  <mc:AlternateContent xmlns:mc="http://schemas.openxmlformats.org/markup-compatibility/2006" xmlns:p14="http://schemas.microsoft.com/office/powerpoint/2010/main">
-    <mc:Choice Requires="p14">
-      <p:transition spd="slow" p14:dur="3400">
-        <p14:reveal/>
-      </p:transition>
-    </mc:Choice>
-    <mc:Fallback xmlns="">
-      <p:transition spd="slow">
-        <p:fade/>
-      </p:transition>
-    </mc:Fallback>
-  </mc:AlternateContent>
 </p:sldLayout>
 </file>
 
@@ -19704,9 +19680,6 @@
   <p:clrMapOvr>
     <a:masterClrMapping/>
   </p:clrMapOvr>
-  <p:transition>
-    <p:fade/>
-  </p:transition>
 </p:sldLayout>
 </file>
 
@@ -19802,9 +19775,6 @@
   <p:clrMapOvr>
     <a:masterClrMapping/>
   </p:clrMapOvr>
-  <p:transition>
-    <p:fade/>
-  </p:transition>
 </p:sldLayout>
 </file>
 
@@ -20096,9 +20066,6 @@
   <p:clrMapOvr>
     <a:masterClrMapping/>
   </p:clrMapOvr>
-  <p:transition>
-    <p:fade/>
-  </p:transition>
 </p:sldLayout>
 </file>
 
@@ -20238,9 +20205,6 @@
   <p:clrMapOvr>
     <a:masterClrMapping/>
   </p:clrMapOvr>
-  <p:transition>
-    <p:fade/>
-  </p:transition>
 </p:sldLayout>
 </file>
 
@@ -20380,9 +20344,6 @@
   <p:clrMapOvr>
     <a:masterClrMapping/>
   </p:clrMapOvr>
-  <p:transition>
-    <p:fade/>
-  </p:transition>
 </p:sldLayout>
 </file>
 
@@ -20504,9 +20465,6 @@
   <p:clrMapOvr>
     <a:masterClrMapping/>
   </p:clrMapOvr>
-  <p:transition>
-    <p:fade/>
-  </p:transition>
 </p:sldLayout>
 </file>
 
@@ -20628,9 +20586,6 @@
   <p:clrMapOvr>
     <a:masterClrMapping/>
   </p:clrMapOvr>
-  <p:transition>
-    <p:fade/>
-  </p:transition>
 </p:sldLayout>
 </file>
 
@@ -20715,9 +20670,6 @@
   <p:clrMapOvr>
     <a:overrideClrMapping bg1="dk1" tx1="lt1" bg2="dk2" tx2="lt2" accent1="accent1" accent2="accent2" accent3="accent3" accent4="accent4" accent5="accent5" accent6="accent6" hlink="hlink" folHlink="folHlink"/>
   </p:clrMapOvr>
-  <p:transition>
-    <p:fade/>
-  </p:transition>
 </p:sldLayout>
 </file>
 
@@ -20838,18 +20790,6 @@
   <p:clrMapOvr>
     <a:masterClrMapping/>
   </p:clrMapOvr>
-  <mc:AlternateContent xmlns:mc="http://schemas.openxmlformats.org/markup-compatibility/2006" xmlns:p14="http://schemas.microsoft.com/office/powerpoint/2010/main">
-    <mc:Choice Requires="p14">
-      <p:transition spd="slow" p14:dur="3400">
-        <p14:reveal/>
-      </p:transition>
-    </mc:Choice>
-    <mc:Fallback xmlns="">
-      <p:transition spd="slow">
-        <p:fade/>
-      </p:transition>
-    </mc:Fallback>
-  </mc:AlternateContent>
 </p:sldLayout>
 </file>
 
@@ -20935,18 +20875,6 @@
   <p:clrMapOvr>
     <a:masterClrMapping/>
   </p:clrMapOvr>
-  <mc:AlternateContent xmlns:mc="http://schemas.openxmlformats.org/markup-compatibility/2006" xmlns:p14="http://schemas.microsoft.com/office/powerpoint/2010/main">
-    <mc:Choice Requires="p14">
-      <p:transition spd="slow" p14:dur="3400">
-        <p14:reveal/>
-      </p:transition>
-    </mc:Choice>
-    <mc:Fallback xmlns="">
-      <p:transition spd="slow">
-        <p:fade/>
-      </p:transition>
-    </mc:Fallback>
-  </mc:AlternateContent>
 </p:sldLayout>
 </file>
 
@@ -23061,7 +22989,6 @@
             <a:ln>
               <a:noFill/>
             </a:ln>
-            <a:extLst/>
           </p:spPr>
           <p:txBody>
             <a:bodyPr vert="horz" wrap="square" lIns="91440" tIns="45720" rIns="91440" bIns="45720" numCol="1" anchor="t" anchorCtr="0" compatLnSpc="1">
@@ -23175,7 +23102,6 @@
             <a:ln>
               <a:noFill/>
             </a:ln>
-            <a:extLst/>
           </p:spPr>
           <p:txBody>
             <a:bodyPr vert="horz" wrap="square" lIns="91440" tIns="45720" rIns="91440" bIns="45720" numCol="1" anchor="t" anchorCtr="0" compatLnSpc="1">
@@ -23488,7 +23414,6 @@
             <a:ln>
               <a:noFill/>
             </a:ln>
-            <a:extLst/>
           </p:spPr>
           <p:txBody>
             <a:bodyPr vert="horz" wrap="square" lIns="91440" tIns="45720" rIns="91440" bIns="45720" numCol="1" anchor="t" anchorCtr="0" compatLnSpc="1">
@@ -23629,7 +23554,6 @@
             <a:ln>
               <a:noFill/>
             </a:ln>
-            <a:extLst/>
           </p:spPr>
           <p:txBody>
             <a:bodyPr vert="horz" wrap="square" lIns="91440" tIns="45720" rIns="91440" bIns="45720" numCol="1" anchor="t" anchorCtr="0" compatLnSpc="1">
@@ -24114,7 +24038,6 @@
               <a:ln>
                 <a:noFill/>
               </a:ln>
-              <a:extLst/>
             </p:spPr>
             <p:txBody>
               <a:bodyPr vert="horz" wrap="square" lIns="91440" tIns="45720" rIns="91440" bIns="45720" numCol="1" anchor="t" anchorCtr="0" compatLnSpc="1">
@@ -24218,7 +24141,6 @@
               <a:ln>
                 <a:noFill/>
               </a:ln>
-              <a:extLst/>
             </p:spPr>
             <p:txBody>
               <a:bodyPr vert="horz" wrap="square" lIns="91440" tIns="45720" rIns="91440" bIns="45720" numCol="1" anchor="t" anchorCtr="0" compatLnSpc="1">
@@ -24538,7 +24460,6 @@
               <a:ln>
                 <a:noFill/>
               </a:ln>
-              <a:extLst/>
             </p:spPr>
             <p:txBody>
               <a:bodyPr vert="horz" wrap="square" lIns="91440" tIns="45720" rIns="91440" bIns="45720" numCol="1" anchor="t" anchorCtr="0" compatLnSpc="1">
@@ -24859,7 +24780,6 @@
               <a:ln>
                 <a:noFill/>
               </a:ln>
-              <a:extLst/>
             </p:spPr>
             <p:txBody>
               <a:bodyPr vert="horz" wrap="square" lIns="91440" tIns="45720" rIns="91440" bIns="45720" numCol="1" anchor="t" anchorCtr="0" compatLnSpc="1">
@@ -24963,7 +24883,6 @@
               <a:ln>
                 <a:noFill/>
               </a:ln>
-              <a:extLst/>
             </p:spPr>
             <p:txBody>
               <a:bodyPr vert="horz" wrap="square" lIns="91440" tIns="45720" rIns="91440" bIns="45720" numCol="1" anchor="t" anchorCtr="0" compatLnSpc="1">
@@ -26254,7 +26173,6 @@
             <a:ln>
               <a:noFill/>
             </a:ln>
-            <a:extLst/>
           </p:spPr>
           <p:txBody>
             <a:bodyPr vert="horz" wrap="square" lIns="91440" tIns="45720" rIns="91440" bIns="45720" numCol="1" anchor="t" anchorCtr="0" compatLnSpc="1">
@@ -30507,18 +30425,6 @@
   <p:clrMapOvr>
     <a:masterClrMapping/>
   </p:clrMapOvr>
-  <mc:AlternateContent xmlns:mc="http://schemas.openxmlformats.org/markup-compatibility/2006" xmlns:p14="http://schemas.microsoft.com/office/powerpoint/2010/main">
-    <mc:Choice Requires="p14">
-      <p:transition spd="slow" p14:dur="3400">
-        <p14:reveal/>
-      </p:transition>
-    </mc:Choice>
-    <mc:Fallback xmlns="">
-      <p:transition spd="slow">
-        <p:fade/>
-      </p:transition>
-    </mc:Fallback>
-  </mc:AlternateContent>
 </p:sldLayout>
 </file>
 
@@ -30549,9 +30455,6 @@
   <p:clrMapOvr>
     <a:masterClrMapping/>
   </p:clrMapOvr>
-  <p:transition>
-    <p:fade/>
-  </p:transition>
 </p:sldLayout>
 </file>
 
@@ -30590,9 +30493,6 @@
   <p:clrMapOvr>
     <a:overrideClrMapping bg1="dk1" tx1="lt1" bg2="dk2" tx2="lt2" accent1="accent1" accent2="accent2" accent3="accent3" accent4="accent4" accent5="accent5" accent6="accent6" hlink="hlink" folHlink="folHlink"/>
   </p:clrMapOvr>
-  <p:transition>
-    <p:fade/>
-  </p:transition>
 </p:sldLayout>
 </file>
 
@@ -30813,9 +30713,6 @@
   <p:clrMapOvr>
     <a:masterClrMapping/>
   </p:clrMapOvr>
-  <p:transition>
-    <p:fade/>
-  </p:transition>
 </p:sldLayout>
 </file>
 
@@ -30943,9 +30840,6 @@
   <p:clrMapOvr>
     <a:masterClrMapping/>
   </p:clrMapOvr>
-  <p:transition>
-    <p:fade/>
-  </p:transition>
 </p:sldLayout>
 </file>
 
@@ -31280,9 +31174,6 @@
   <p:clrMapOvr>
     <a:overrideClrMapping bg1="dk1" tx1="lt1" bg2="dk2" tx2="lt2" accent1="accent1" accent2="accent2" accent3="accent3" accent4="accent4" accent5="accent5" accent6="accent6" hlink="hlink" folHlink="folHlink"/>
   </p:clrMapOvr>
-  <p:transition>
-    <p:fade/>
-  </p:transition>
 </p:sldLayout>
 </file>
 
@@ -33397,7 +33288,6 @@
             <a:ln>
               <a:noFill/>
             </a:ln>
-            <a:extLst/>
           </p:spPr>
           <p:txBody>
             <a:bodyPr vert="horz" wrap="square" lIns="91440" tIns="45720" rIns="91440" bIns="45720" numCol="1" anchor="t" anchorCtr="0" compatLnSpc="1">
@@ -33511,7 +33401,6 @@
             <a:ln>
               <a:noFill/>
             </a:ln>
-            <a:extLst/>
           </p:spPr>
           <p:txBody>
             <a:bodyPr vert="horz" wrap="square" lIns="91440" tIns="45720" rIns="91440" bIns="45720" numCol="1" anchor="t" anchorCtr="0" compatLnSpc="1">
@@ -33824,7 +33713,6 @@
             <a:ln>
               <a:noFill/>
             </a:ln>
-            <a:extLst/>
           </p:spPr>
           <p:txBody>
             <a:bodyPr vert="horz" wrap="square" lIns="91440" tIns="45720" rIns="91440" bIns="45720" numCol="1" anchor="t" anchorCtr="0" compatLnSpc="1">
@@ -33965,7 +33853,6 @@
             <a:ln>
               <a:noFill/>
             </a:ln>
-            <a:extLst/>
           </p:spPr>
           <p:txBody>
             <a:bodyPr vert="horz" wrap="square" lIns="91440" tIns="45720" rIns="91440" bIns="45720" numCol="1" anchor="t" anchorCtr="0" compatLnSpc="1">
@@ -34450,7 +34337,6 @@
               <a:ln>
                 <a:noFill/>
               </a:ln>
-              <a:extLst/>
             </p:spPr>
             <p:txBody>
               <a:bodyPr vert="horz" wrap="square" lIns="91440" tIns="45720" rIns="91440" bIns="45720" numCol="1" anchor="t" anchorCtr="0" compatLnSpc="1">
@@ -34554,7 +34440,6 @@
               <a:ln>
                 <a:noFill/>
               </a:ln>
-              <a:extLst/>
             </p:spPr>
             <p:txBody>
               <a:bodyPr vert="horz" wrap="square" lIns="91440" tIns="45720" rIns="91440" bIns="45720" numCol="1" anchor="t" anchorCtr="0" compatLnSpc="1">
@@ -34874,7 +34759,6 @@
               <a:ln>
                 <a:noFill/>
               </a:ln>
-              <a:extLst/>
             </p:spPr>
             <p:txBody>
               <a:bodyPr vert="horz" wrap="square" lIns="91440" tIns="45720" rIns="91440" bIns="45720" numCol="1" anchor="t" anchorCtr="0" compatLnSpc="1">
@@ -35195,7 +35079,6 @@
               <a:ln>
                 <a:noFill/>
               </a:ln>
-              <a:extLst/>
             </p:spPr>
             <p:txBody>
               <a:bodyPr vert="horz" wrap="square" lIns="91440" tIns="45720" rIns="91440" bIns="45720" numCol="1" anchor="t" anchorCtr="0" compatLnSpc="1">
@@ -35299,7 +35182,6 @@
               <a:ln>
                 <a:noFill/>
               </a:ln>
-              <a:extLst/>
             </p:spPr>
             <p:txBody>
               <a:bodyPr vert="horz" wrap="square" lIns="91440" tIns="45720" rIns="91440" bIns="45720" numCol="1" anchor="t" anchorCtr="0" compatLnSpc="1">
@@ -36590,7 +36472,6 @@
             <a:ln>
               <a:noFill/>
             </a:ln>
-            <a:extLst/>
           </p:spPr>
           <p:txBody>
             <a:bodyPr vert="horz" wrap="square" lIns="91440" tIns="45720" rIns="91440" bIns="45720" numCol="1" anchor="t" anchorCtr="0" compatLnSpc="1">
@@ -40843,18 +40724,6 @@
   <p:clrMapOvr>
     <a:masterClrMapping/>
   </p:clrMapOvr>
-  <mc:AlternateContent xmlns:mc="http://schemas.openxmlformats.org/markup-compatibility/2006" xmlns:p14="http://schemas.microsoft.com/office/powerpoint/2010/main">
-    <mc:Choice Requires="p14">
-      <p:transition spd="slow" p14:dur="3400">
-        <p14:reveal/>
-      </p:transition>
-    </mc:Choice>
-    <mc:Fallback xmlns="">
-      <p:transition spd="slow">
-        <p:fade/>
-      </p:transition>
-    </mc:Fallback>
-  </mc:AlternateContent>
 </p:sldLayout>
 </file>
 
@@ -40939,9 +40808,6 @@
   <p:clrMapOvr>
     <a:masterClrMapping/>
   </p:clrMapOvr>
-  <p:transition>
-    <p:fade/>
-  </p:transition>
 </p:sldLayout>
 </file>
 
@@ -41102,9 +40968,6 @@
   <p:clrMapOvr>
     <a:masterClrMapping/>
   </p:clrMapOvr>
-  <p:transition>
-    <p:fade/>
-  </p:transition>
 </p:sldLayout>
 </file>
 
@@ -41260,9 +41123,6 @@
   <p:clrMapOvr>
     <a:masterClrMapping/>
   </p:clrMapOvr>
-  <p:transition>
-    <p:fade/>
-  </p:transition>
 </p:sldLayout>
 </file>
 
@@ -41404,9 +41264,6 @@
   <p:clrMapOvr>
     <a:masterClrMapping/>
   </p:clrMapOvr>
-  <p:transition>
-    <p:fade/>
-  </p:transition>
 </p:sldLayout>
 </file>
 
@@ -41669,9 +41526,6 @@
   <p:clrMapOvr>
     <a:masterClrMapping/>
   </p:clrMapOvr>
-  <p:transition>
-    <p:fade/>
-  </p:transition>
 </p:sldLayout>
 </file>
 
@@ -41926,9 +41780,6 @@
   <p:clrMapOvr>
     <a:masterClrMapping/>
   </p:clrMapOvr>
-  <p:transition>
-    <p:fade/>
-  </p:transition>
 </p:sldLayout>
 </file>
 
@@ -47880,9 +47731,6 @@
     <p:sldLayoutId id="2147484195" r:id="rId23"/>
     <p:sldLayoutId id="2147484096" r:id="rId24"/>
   </p:sldLayoutIdLst>
-  <p:transition>
-    <p:fade/>
-  </p:transition>
   <p:txStyles>
     <p:titleStyle>
       <a:lvl1pPr algn="l" defTabSz="932742" rtl="0" eaLnBrk="1" latinLnBrk="0" hangingPunct="1">
@@ -48225,7 +48073,7 @@
       </a:lvl9pPr>
     </p:otherStyle>
   </p:txStyles>
-  <p:extLst mod="1">
+  <p:extLst>
     <p:ext uri="{27BBF7A9-308A-43DC-89C8-2F10F3537804}">
       <p15:sldGuideLst xmlns:p15="http://schemas.microsoft.com/office/powerpoint/2012/main">
         <p15:guide id="1" orient="horz" pos="187">
@@ -48487,18 +48335,6 @@
   <p:clrMapOvr>
     <a:masterClrMapping/>
   </p:clrMapOvr>
-  <mc:AlternateContent xmlns:mc="http://schemas.openxmlformats.org/markup-compatibility/2006" xmlns:p14="http://schemas.microsoft.com/office/powerpoint/2010/main">
-    <mc:Choice Requires="p14">
-      <p:transition spd="slow" p14:dur="3400">
-        <p14:reveal/>
-      </p:transition>
-    </mc:Choice>
-    <mc:Fallback xmlns="">
-      <p:transition spd="slow">
-        <p:fade/>
-      </p:transition>
-    </mc:Fallback>
-  </mc:AlternateContent>
 </p:sld>
 </file>
 
@@ -48557,9 +48393,6 @@
   <p:clrMapOvr>
     <a:masterClrMapping/>
   </p:clrMapOvr>
-  <p:transition>
-    <p:fade/>
-  </p:transition>
 </p:sld>
 </file>
 
@@ -48632,9 +48465,6 @@
   <p:clrMapOvr>
     <a:masterClrMapping/>
   </p:clrMapOvr>
-  <p:transition>
-    <p:fade/>
-  </p:transition>
 </p:sld>
 </file>
 
@@ -49224,9 +49054,6 @@
   <p:clrMapOvr>
     <a:masterClrMapping/>
   </p:clrMapOvr>
-  <p:transition>
-    <p:fade/>
-  </p:transition>
 </p:sld>
 </file>
 
@@ -49816,9 +49643,6 @@
   <p:clrMapOvr>
     <a:masterClrMapping/>
   </p:clrMapOvr>
-  <p:transition>
-    <p:fade/>
-  </p:transition>
 </p:sld>
 </file>
 
@@ -50408,9 +50232,6 @@
   <p:clrMapOvr>
     <a:masterClrMapping/>
   </p:clrMapOvr>
-  <p:transition>
-    <p:fade/>
-  </p:transition>
 </p:sld>
 </file>
 
@@ -50611,13 +50432,149 @@
   <p:clrMapOvr>
     <a:masterClrMapping/>
   </p:clrMapOvr>
-  <p:transition>
-    <p:fade/>
-  </p:transition>
 </p:sld>
 </file>
 
 <file path=ppt/slides/slide8.xml><?xml version="1.0" encoding="utf-8"?>
+<p:sld xmlns:a="http://schemas.openxmlformats.org/drawingml/2006/main" xmlns:r="http://schemas.openxmlformats.org/officeDocument/2006/relationships" xmlns:p="http://schemas.openxmlformats.org/presentationml/2006/main">
+  <p:cSld>
+    <p:spTree>
+      <p:nvGrpSpPr>
+        <p:cNvPr id="1" name=""/>
+        <p:cNvGrpSpPr/>
+        <p:nvPr/>
+      </p:nvGrpSpPr>
+      <p:grpSpPr>
+        <a:xfrm>
+          <a:off x="0" y="0"/>
+          <a:ext cx="0" cy="0"/>
+          <a:chOff x="0" y="0"/>
+          <a:chExt cx="0" cy="0"/>
+        </a:xfrm>
+      </p:grpSpPr>
+      <p:sp>
+        <p:nvSpPr>
+          <p:cNvPr id="2" name="Title 1">
+            <a:extLst>
+              <a:ext uri="{FF2B5EF4-FFF2-40B4-BE49-F238E27FC236}">
+                <a16:creationId xmlns:a16="http://schemas.microsoft.com/office/drawing/2014/main" id="{50A7CF8F-A80F-4672-A37B-91E294C64E69}"/>
+              </a:ext>
+            </a:extLst>
+          </p:cNvPr>
+          <p:cNvSpPr>
+            <a:spLocks noGrp="1"/>
+          </p:cNvSpPr>
+          <p:nvPr>
+            <p:ph type="title"/>
+          </p:nvPr>
+        </p:nvSpPr>
+        <p:spPr/>
+        <p:txBody>
+          <a:bodyPr/>
+          <a:lstStyle/>
+          <a:p>
+            <a:r>
+              <a:rPr lang="en-US" dirty="0"/>
+              <a:t>Installation notes</a:t>
+            </a:r>
+          </a:p>
+        </p:txBody>
+      </p:sp>
+      <p:sp>
+        <p:nvSpPr>
+          <p:cNvPr id="3" name="Text Placeholder 2">
+            <a:extLst>
+              <a:ext uri="{FF2B5EF4-FFF2-40B4-BE49-F238E27FC236}">
+                <a16:creationId xmlns:a16="http://schemas.microsoft.com/office/drawing/2014/main" id="{BD64B513-5B41-4465-A4E6-A0FBF03BE0FF}"/>
+              </a:ext>
+            </a:extLst>
+          </p:cNvPr>
+          <p:cNvSpPr>
+            <a:spLocks noGrp="1"/>
+          </p:cNvSpPr>
+          <p:nvPr>
+            <p:ph type="body" sz="quarter" idx="10"/>
+          </p:nvPr>
+        </p:nvSpPr>
+        <p:spPr>
+          <a:xfrm>
+            <a:off x="365760" y="1371600"/>
+            <a:ext cx="11704320" cy="3271665"/>
+          </a:xfrm>
+        </p:spPr>
+        <p:txBody>
+          <a:bodyPr/>
+          <a:lstStyle/>
+          <a:p>
+            <a:r>
+              <a:rPr lang="en-US" dirty="0"/>
+              <a:t>Installing Python and VS Code can be done like any normal application</a:t>
+            </a:r>
+          </a:p>
+          <a:p>
+            <a:pPr lvl="1"/>
+            <a:r>
+              <a:rPr lang="en-US" dirty="0"/>
+              <a:t>Windows installer</a:t>
+            </a:r>
+          </a:p>
+          <a:p>
+            <a:pPr lvl="1"/>
+            <a:r>
+              <a:rPr lang="en-US" dirty="0"/>
+              <a:t>Package manager</a:t>
+            </a:r>
+          </a:p>
+          <a:p>
+            <a:pPr lvl="2"/>
+            <a:r>
+              <a:rPr lang="en-US" dirty="0"/>
+              <a:t>apt-get</a:t>
+            </a:r>
+          </a:p>
+          <a:p>
+            <a:pPr lvl="2"/>
+            <a:r>
+              <a:rPr lang="en-US" dirty="0"/>
+              <a:t>Chocolatey</a:t>
+            </a:r>
+          </a:p>
+          <a:p>
+            <a:pPr lvl="2"/>
+            <a:r>
+              <a:rPr lang="en-US" dirty="0"/>
+              <a:t>RPM</a:t>
+            </a:r>
+          </a:p>
+          <a:p>
+            <a:r>
+              <a:rPr lang="en-US" dirty="0"/>
+              <a:t>Important notes</a:t>
+            </a:r>
+          </a:p>
+          <a:p>
+            <a:pPr lvl="1"/>
+            <a:r>
+              <a:rPr lang="en-US" dirty="0"/>
+              <a:t>Adding Python to PATH</a:t>
+            </a:r>
+          </a:p>
+        </p:txBody>
+      </p:sp>
+    </p:spTree>
+    <p:extLst>
+      <p:ext uri="{BB962C8B-B14F-4D97-AF65-F5344CB8AC3E}">
+        <p14:creationId xmlns:p14="http://schemas.microsoft.com/office/powerpoint/2010/main" val="1257927768"/>
+      </p:ext>
+    </p:extLst>
+  </p:cSld>
+  <p:clrMapOvr>
+    <a:masterClrMapping/>
+  </p:clrMapOvr>
+</p:sld>
+</file>
+
+<file path=ppt/slides/slide9.xml><?xml version="1.0" encoding="utf-8"?>
 <p:sld xmlns:a="http://schemas.openxmlformats.org/drawingml/2006/main" xmlns:r="http://schemas.openxmlformats.org/officeDocument/2006/relationships" xmlns:p="http://schemas.openxmlformats.org/presentationml/2006/main">
   <p:cSld>
     <p:spTree>
@@ -50644,9 +50601,6 @@
   <p:clrMapOvr>
     <a:masterClrMapping/>
   </p:clrMapOvr>
-  <p:transition>
-    <p:fade/>
-  </p:transition>
 </p:sld>
 </file>
 
@@ -51754,19 +51708,19 @@
 
 <file path=customXml/item1.xml><?xml version="1.0" encoding="utf-8"?>
 <Control xmlns="http://schemas.microsoft.com/VisualStudio/2011/storyboarding/control">
-  <Id Name="a53d73d2-368b-429e-b817-1324eec1382c" Revision="1" Stencil="7276b9ef-3953-4dce-a89b-ed85f20b8b93" StencilVersion="1.0"/>
+  <Id Name="369f9055-6b6c-48b9-9320-5df2d46c430a" Revision="1" Stencil="7276b9ef-3953-4dce-a89b-ed85f20b8b93" StencilVersion="1.0"/>
 </Control>
 </file>
 
 <file path=customXml/item10.xml><?xml version="1.0" encoding="utf-8"?>
 <Control xmlns="http://schemas.microsoft.com/VisualStudio/2011/storyboarding/control">
-  <Id Name="d69996e1-3d61-4686-9b63-f1b855c596ab" Revision="1" Stencil="7276b9ef-3953-4dce-a89b-ed85f20b8b93" StencilVersion="1.0"/>
+  <Id Name="fb22c541-ded0-47fa-8877-83a4c2d16227" Revision="1" Stencil="7276b9ef-3953-4dce-a89b-ed85f20b8b93" StencilVersion="1.0"/>
 </Control>
 </file>
 
 <file path=customXml/item11.xml><?xml version="1.0" encoding="utf-8"?>
 <Control xmlns="http://schemas.microsoft.com/VisualStudio/2011/storyboarding/control">
-  <Id Name="a53d73d2-368b-429e-b817-1324eec1382c" Revision="1" Stencil="7276b9ef-3953-4dce-a89b-ed85f20b8b93" StencilVersion="1.0"/>
+  <Id Name="d69996e1-3d61-4686-9b63-f1b855c596ab" Revision="1" Stencil="7276b9ef-3953-4dce-a89b-ed85f20b8b93" StencilVersion="1.0"/>
 </Control>
 </file>
 
@@ -51778,11 +51732,23 @@
 
 <file path=customXml/item13.xml><?xml version="1.0" encoding="utf-8"?>
 <Control xmlns="http://schemas.microsoft.com/VisualStudio/2011/storyboarding/control">
+  <Id Name="a2191c86-fc50-4add-948c-129f6b5a88d8" Revision="1" Stencil="7276b9ef-3953-4dce-a89b-ed85f20b8b93" StencilVersion="1.0"/>
+</Control>
+</file>
+
+<file path=customXml/item14.xml><?xml version="1.0" encoding="utf-8"?>
+<Control xmlns="http://schemas.microsoft.com/VisualStudio/2011/storyboarding/control">
+  <Id Name="d69996e1-3d61-4686-9b63-f1b855c596ab" Revision="1" Stencil="7276b9ef-3953-4dce-a89b-ed85f20b8b93" StencilVersion="1.0"/>
+</Control>
+</file>
+
+<file path=customXml/item15.xml><?xml version="1.0" encoding="utf-8"?>
+<Control xmlns="http://schemas.microsoft.com/VisualStudio/2011/storyboarding/control">
   <Id Name="a53d73d2-368b-429e-b817-1324eec1382c" Revision="1" Stencil="7276b9ef-3953-4dce-a89b-ed85f20b8b93" StencilVersion="1.0"/>
 </Control>
 </file>
 
-<file path=customXml/item14.xml><?xml version="1.0" encoding="utf-8"?>
+<file path=customXml/item16.xml><?xml version="1.0" encoding="utf-8"?>
 <?mso-contentType ?>
 <FormTemplates xmlns="http://schemas.microsoft.com/sharepoint/v3/contenttype/forms">
   <Display>DocumentLibraryForm</Display>
@@ -51791,13 +51757,25 @@
 </FormTemplates>
 </file>
 
-<file path=customXml/item15.xml><?xml version="1.0" encoding="utf-8"?>
+<file path=customXml/item17.xml><?xml version="1.0" encoding="utf-8"?>
 <Control xmlns="http://schemas.microsoft.com/VisualStudio/2011/storyboarding/control">
   <Id Name="369f9055-6b6c-48b9-9320-5df2d46c430a" Revision="1" Stencil="7276b9ef-3953-4dce-a89b-ed85f20b8b93" StencilVersion="1.0"/>
 </Control>
 </file>
 
-<file path=customXml/item16.xml><?xml version="1.0" encoding="utf-8"?>
+<file path=customXml/item18.xml><?xml version="1.0" encoding="utf-8"?>
+<Control xmlns="http://schemas.microsoft.com/VisualStudio/2011/storyboarding/control">
+  <Id Name="a53d73d2-368b-429e-b817-1324eec1382c" Revision="1" Stencil="7276b9ef-3953-4dce-a89b-ed85f20b8b93" StencilVersion="1.0"/>
+</Control>
+</file>
+
+<file path=customXml/item19.xml><?xml version="1.0" encoding="utf-8"?>
+<Control xmlns="http://schemas.microsoft.com/VisualStudio/2011/storyboarding/control">
+  <Id Name="fb22c541-ded0-47fa-8877-83a4c2d16227" Revision="1" Stencil="7276b9ef-3953-4dce-a89b-ed85f20b8b93" StencilVersion="1.0"/>
+</Control>
+</file>
+
+<file path=customXml/item2.xml><?xml version="1.0" encoding="utf-8"?>
 <p:properties xmlns:p="http://schemas.microsoft.com/office/2006/metadata/properties" xmlns:xsi="http://www.w3.org/2001/XMLSchema-instance" xmlns:pc="http://schemas.microsoft.com/office/infopath/2007/PartnerControls">
   <documentManagement>
     <SharedWithUsers xmlns="83cd2334-221a-48c3-9034-bfd1542dfe28">
@@ -51821,57 +51799,36 @@
 </p:properties>
 </file>
 
-<file path=customXml/item17.xml><?xml version="1.0" encoding="utf-8"?>
+<file path=customXml/item20.xml><?xml version="1.0" encoding="utf-8"?>
 <Control xmlns="http://schemas.microsoft.com/VisualStudio/2011/storyboarding/control">
   <Id Name="a2191c86-fc50-4add-948c-129f6b5a88d8" Revision="1" Stencil="7276b9ef-3953-4dce-a89b-ed85f20b8b93" StencilVersion="1.0"/>
 </Control>
 </file>
 
-<file path=customXml/item18.xml><?xml version="1.0" encoding="utf-8"?>
+<file path=customXml/item21.xml><?xml version="1.0" encoding="utf-8"?>
+<?mso-contentType ?>
+<FormTemplates xmlns="http://schemas.microsoft.com/sharepoint/v3/contenttype/forms">
+  <Display>DocumentLibraryForm</Display>
+  <Edit>DocumentLibraryForm</Edit>
+  <New>DocumentLibraryForm</New>
+</FormTemplates>
+</file>
+
+<file path=customXml/item22.xml><?xml version="1.0" encoding="utf-8"?>
 <Control xmlns="http://schemas.microsoft.com/VisualStudio/2011/storyboarding/control">
-  <Id Name="d69996e1-3d61-4686-9b63-f1b855c596ab" Revision="1" Stencil="7276b9ef-3953-4dce-a89b-ed85f20b8b93" StencilVersion="1.0"/>
+  <Id Name="a2191c86-fc50-4add-948c-129f6b5a88d8" Revision="1" Stencil="7276b9ef-3953-4dce-a89b-ed85f20b8b93" StencilVersion="1.0"/>
 </Control>
 </file>
 
-<file path=customXml/item19.xml><?xml version="1.0" encoding="utf-8"?>
+<file path=customXml/item23.xml><?xml version="1.0" encoding="utf-8"?>
 <Control xmlns="http://schemas.microsoft.com/VisualStudio/2011/storyboarding/control">
   <Id Name="369f9055-6b6c-48b9-9320-5df2d46c430a" Revision="1" Stencil="7276b9ef-3953-4dce-a89b-ed85f20b8b93" StencilVersion="1.0"/>
 </Control>
 </file>
 
-<file path=customXml/item2.xml><?xml version="1.0" encoding="utf-8"?>
-<Control xmlns="http://schemas.microsoft.com/VisualStudio/2011/storyboarding/control">
-  <Id Name="369f9055-6b6c-48b9-9320-5df2d46c430a" Revision="1" Stencil="7276b9ef-3953-4dce-a89b-ed85f20b8b93" StencilVersion="1.0"/>
-</Control>
-</file>
-
-<file path=customXml/item20.xml><?xml version="1.0" encoding="utf-8"?>
-<Control xmlns="http://schemas.microsoft.com/VisualStudio/2011/storyboarding/control">
-  <Id Name="a53d73d2-368b-429e-b817-1324eec1382c" Revision="1" Stencil="7276b9ef-3953-4dce-a89b-ed85f20b8b93" StencilVersion="1.0"/>
-</Control>
-</file>
-
-<file path=customXml/item21.xml><?xml version="1.0" encoding="utf-8"?>
-<Control xmlns="http://schemas.microsoft.com/VisualStudio/2011/storyboarding/control">
-  <Id Name="d69996e1-3d61-4686-9b63-f1b855c596ab" Revision="1" Stencil="7276b9ef-3953-4dce-a89b-ed85f20b8b93" StencilVersion="1.0"/>
-</Control>
-</file>
-
-<file path=customXml/item22.xml><?xml version="1.0" encoding="utf-8"?>
-<Control xmlns="http://schemas.microsoft.com/VisualStudio/2011/storyboarding/control">
-  <Id Name="369f9055-6b6c-48b9-9320-5df2d46c430a" Revision="1" Stencil="7276b9ef-3953-4dce-a89b-ed85f20b8b93" StencilVersion="1.0"/>
-</Control>
-</file>
-
-<file path=customXml/item23.xml><?xml version="1.0" encoding="utf-8"?>
-<Control xmlns="http://schemas.microsoft.com/VisualStudio/2011/storyboarding/control">
-  <Id Name="fb22c541-ded0-47fa-8877-83a4c2d16227" Revision="1" Stencil="7276b9ef-3953-4dce-a89b-ed85f20b8b93" StencilVersion="1.0"/>
-</Control>
-</file>
-
 <file path=customXml/item24.xml><?xml version="1.0" encoding="utf-8"?>
 <Control xmlns="http://schemas.microsoft.com/VisualStudio/2011/storyboarding/control">
-  <Id Name="d69996e1-3d61-4686-9b63-f1b855c596ab" Revision="1" Stencil="7276b9ef-3953-4dce-a89b-ed85f20b8b93" StencilVersion="1.0"/>
+  <Id Name="a2191c86-fc50-4add-948c-129f6b5a88d8" Revision="1" Stencil="7276b9ef-3953-4dce-a89b-ed85f20b8b93" StencilVersion="1.0"/>
 </Control>
 </file>
 
@@ -51883,7 +51840,7 @@
 
 <file path=customXml/item26.xml><?xml version="1.0" encoding="utf-8"?>
 <Control xmlns="http://schemas.microsoft.com/VisualStudio/2011/storyboarding/control">
-  <Id Name="d69996e1-3d61-4686-9b63-f1b855c596ab" Revision="1" Stencil="7276b9ef-3953-4dce-a89b-ed85f20b8b93" StencilVersion="1.0"/>
+  <Id Name="fb22c541-ded0-47fa-8877-83a4c2d16227" Revision="1" Stencil="7276b9ef-3953-4dce-a89b-ed85f20b8b93" StencilVersion="1.0"/>
 </Control>
 </file>
 
@@ -51895,89 +51852,11 @@
 
 <file path=customXml/item28.xml><?xml version="1.0" encoding="utf-8"?>
 <Control xmlns="http://schemas.microsoft.com/VisualStudio/2011/storyboarding/control">
-  <Id Name="fb22c541-ded0-47fa-8877-83a4c2d16227" Revision="1" Stencil="7276b9ef-3953-4dce-a89b-ed85f20b8b93" StencilVersion="1.0"/>
+  <Id Name="a53d73d2-368b-429e-b817-1324eec1382c" Revision="1" Stencil="7276b9ef-3953-4dce-a89b-ed85f20b8b93" StencilVersion="1.0"/>
 </Control>
 </file>
 
 <file path=customXml/item29.xml><?xml version="1.0" encoding="utf-8"?>
-<Control xmlns="http://schemas.microsoft.com/VisualStudio/2011/storyboarding/control">
-  <Id Name="fb22c541-ded0-47fa-8877-83a4c2d16227" Revision="1" Stencil="7276b9ef-3953-4dce-a89b-ed85f20b8b93" StencilVersion="1.0"/>
-</Control>
-</file>
-
-<file path=customXml/item3.xml><?xml version="1.0" encoding="utf-8"?>
-<Control xmlns="http://schemas.microsoft.com/VisualStudio/2011/storyboarding/control">
-  <Id Name="a2191c86-fc50-4add-948c-129f6b5a88d8" Revision="1" Stencil="7276b9ef-3953-4dce-a89b-ed85f20b8b93" StencilVersion="1.0"/>
-</Control>
-</file>
-
-<file path=customXml/item30.xml><?xml version="1.0" encoding="utf-8"?>
-<Control xmlns="http://schemas.microsoft.com/VisualStudio/2011/storyboarding/control">
-  <Id Name="fb22c541-ded0-47fa-8877-83a4c2d16227" Revision="1" Stencil="7276b9ef-3953-4dce-a89b-ed85f20b8b93" StencilVersion="1.0"/>
-</Control>
-</file>
-
-<file path=customXml/item31.xml><?xml version="1.0" encoding="utf-8"?>
-<Control xmlns="http://schemas.microsoft.com/VisualStudio/2011/storyboarding/control">
-  <Id Name="a2191c86-fc50-4add-948c-129f6b5a88d8" Revision="1" Stencil="7276b9ef-3953-4dce-a89b-ed85f20b8b93" StencilVersion="1.0"/>
-</Control>
-</file>
-
-<file path=customXml/item32.xml><?xml version="1.0" encoding="utf-8"?>
-<Control xmlns="http://schemas.microsoft.com/VisualStudio/2011/storyboarding/control">
-  <Id Name="a2191c86-fc50-4add-948c-129f6b5a88d8" Revision="1" Stencil="7276b9ef-3953-4dce-a89b-ed85f20b8b93" StencilVersion="1.0"/>
-</Control>
-</file>
-
-<file path=customXml/item33.xml><?xml version="1.0" encoding="utf-8"?>
-<Control xmlns="http://schemas.microsoft.com/VisualStudio/2011/storyboarding/control">
-  <Id Name="fb22c541-ded0-47fa-8877-83a4c2d16227" Revision="1" Stencil="7276b9ef-3953-4dce-a89b-ed85f20b8b93" StencilVersion="1.0"/>
-</Control>
-</file>
-
-<file path=customXml/item34.xml><?xml version="1.0" encoding="utf-8"?>
-<Control xmlns="http://schemas.microsoft.com/VisualStudio/2011/storyboarding/control">
-  <Id Name="fb22c541-ded0-47fa-8877-83a4c2d16227" Revision="1" Stencil="7276b9ef-3953-4dce-a89b-ed85f20b8b93" StencilVersion="1.0"/>
-</Control>
-</file>
-
-<file path=customXml/item35.xml><?xml version="1.0" encoding="utf-8"?>
-<Control xmlns="http://schemas.microsoft.com/VisualStudio/2011/storyboarding/control">
-  <Id Name="a2191c86-fc50-4add-948c-129f6b5a88d8" Revision="1" Stencil="7276b9ef-3953-4dce-a89b-ed85f20b8b93" StencilVersion="1.0"/>
-</Control>
-</file>
-
-<file path=customXml/item4.xml><?xml version="1.0" encoding="utf-8"?>
-<Control xmlns="http://schemas.microsoft.com/VisualStudio/2011/storyboarding/control">
-  <Id Name="d69996e1-3d61-4686-9b63-f1b855c596ab" Revision="1" Stencil="7276b9ef-3953-4dce-a89b-ed85f20b8b93" StencilVersion="1.0"/>
-</Control>
-</file>
-
-<file path=customXml/item5.xml><?xml version="1.0" encoding="utf-8"?>
-<p:properties xmlns:p="http://schemas.microsoft.com/office/2006/metadata/properties" xmlns:xsi="http://www.w3.org/2001/XMLSchema-instance" xmlns:pc="http://schemas.microsoft.com/office/infopath/2007/PartnerControls">
-  <documentManagement>
-    <SharedWithUsers xmlns="83cd2334-221a-48c3-9034-bfd1542dfe28">
-      <UserInfo>
-        <DisplayName>Gilad Turbahn</DisplayName>
-        <AccountId>511</AccountId>
-        <AccountType/>
-      </UserInfo>
-      <UserInfo>
-        <DisplayName>Keith Boyd</DisplayName>
-        <AccountId>993</AccountId>
-        <AccountType/>
-      </UserInfo>
-      <UserInfo>
-        <DisplayName>Christopher Harrison</DisplayName>
-        <AccountId>1176</AccountId>
-        <AccountType/>
-      </UserInfo>
-    </SharedWithUsers>
-  </documentManagement>
-</p:properties>
-</file>
-
-<file path=customXml/item6.xml><?xml version="1.0" encoding="utf-8"?>
 <ct:contentTypeSchema xmlns:ct="http://schemas.microsoft.com/office/2006/metadata/contentType" xmlns:ma="http://schemas.microsoft.com/office/2006/metadata/properties/metaAttributes" ct:_="" ma:_="" ma:contentTypeName="Document" ma:contentTypeID="0x010100674EDBEC711BD14FBA6FF5C10FEFEAC7" ma:contentTypeVersion="2" ma:contentTypeDescription="Create a new document." ma:contentTypeScope="" ma:versionID="2439c5e21841780d4f192983b535a097">
   <xsd:schema xmlns:xsd="http://www.w3.org/2001/XMLSchema" xmlns:xs="http://www.w3.org/2001/XMLSchema" xmlns:p="http://schemas.microsoft.com/office/2006/metadata/properties" xmlns:ns2="83cd2334-221a-48c3-9034-bfd1542dfe28" targetNamespace="http://schemas.microsoft.com/office/2006/metadata/properties" ma:root="true" ma:fieldsID="2bca9163d8d0b233c3086236a9289b04" ns2:_="">
     <xsd:import namespace="83cd2334-221a-48c3-9034-bfd1542dfe28"/>
@@ -52125,29 +52004,104 @@
 </ct:contentTypeSchema>
 </file>
 
-<file path=customXml/item7.xml><?xml version="1.0" encoding="utf-8"?>
+<file path=customXml/item3.xml><?xml version="1.0" encoding="utf-8"?>
+<Control xmlns="http://schemas.microsoft.com/VisualStudio/2011/storyboarding/control">
+  <Id Name="fb22c541-ded0-47fa-8877-83a4c2d16227" Revision="1" Stencil="7276b9ef-3953-4dce-a89b-ed85f20b8b93" StencilVersion="1.0"/>
+</Control>
+</file>
+
+<file path=customXml/item30.xml><?xml version="1.0" encoding="utf-8"?>
+<Control xmlns="http://schemas.microsoft.com/VisualStudio/2011/storyboarding/control">
+  <Id Name="a53d73d2-368b-429e-b817-1324eec1382c" Revision="1" Stencil="7276b9ef-3953-4dce-a89b-ed85f20b8b93" StencilVersion="1.0"/>
+</Control>
+</file>
+
+<file path=customXml/item31.xml><?xml version="1.0" encoding="utf-8"?>
+<Control xmlns="http://schemas.microsoft.com/VisualStudio/2011/storyboarding/control">
+  <Id Name="d69996e1-3d61-4686-9b63-f1b855c596ab" Revision="1" Stencil="7276b9ef-3953-4dce-a89b-ed85f20b8b93" StencilVersion="1.0"/>
+</Control>
+</file>
+
+<file path=customXml/item32.xml><?xml version="1.0" encoding="utf-8"?>
+<Control xmlns="http://schemas.microsoft.com/VisualStudio/2011/storyboarding/control">
+  <Id Name="d69996e1-3d61-4686-9b63-f1b855c596ab" Revision="1" Stencil="7276b9ef-3953-4dce-a89b-ed85f20b8b93" StencilVersion="1.0"/>
+</Control>
+</file>
+
+<file path=customXml/item33.xml><?xml version="1.0" encoding="utf-8"?>
+<Control xmlns="http://schemas.microsoft.com/VisualStudio/2011/storyboarding/control">
+  <Id Name="d69996e1-3d61-4686-9b63-f1b855c596ab" Revision="1" Stencil="7276b9ef-3953-4dce-a89b-ed85f20b8b93" StencilVersion="1.0"/>
+</Control>
+</file>
+
+<file path=customXml/item34.xml><?xml version="1.0" encoding="utf-8"?>
+<Control xmlns="http://schemas.microsoft.com/VisualStudio/2011/storyboarding/control">
+  <Id Name="fb22c541-ded0-47fa-8877-83a4c2d16227" Revision="1" Stencil="7276b9ef-3953-4dce-a89b-ed85f20b8b93" StencilVersion="1.0"/>
+</Control>
+</file>
+
+<file path=customXml/item35.xml><?xml version="1.0" encoding="utf-8"?>
 <Control xmlns="http://schemas.microsoft.com/VisualStudio/2011/storyboarding/control">
   <Id Name="a2191c86-fc50-4add-948c-129f6b5a88d8" Revision="1" Stencil="7276b9ef-3953-4dce-a89b-ed85f20b8b93" StencilVersion="1.0"/>
 </Control>
 </file>
 
-<file path=customXml/item8.xml><?xml version="1.0" encoding="utf-8"?>
-<?mso-contentType ?>
-<FormTemplates xmlns="http://schemas.microsoft.com/sharepoint/v3/contenttype/forms">
-  <Display>DocumentLibraryForm</Display>
-  <Edit>DocumentLibraryForm</Edit>
-  <New>DocumentLibraryForm</New>
-</FormTemplates>
-</file>
-
-<file path=customXml/item9.xml><?xml version="1.0" encoding="utf-8"?>
+<file path=customXml/item4.xml><?xml version="1.0" encoding="utf-8"?>
 <Control xmlns="http://schemas.microsoft.com/VisualStudio/2011/storyboarding/control">
   <Id Name="a53d73d2-368b-429e-b817-1324eec1382c" Revision="1" Stencil="7276b9ef-3953-4dce-a89b-ed85f20b8b93" StencilVersion="1.0"/>
 </Control>
 </file>
 
+<file path=customXml/item5.xml><?xml version="1.0" encoding="utf-8"?>
+<Control xmlns="http://schemas.microsoft.com/VisualStudio/2011/storyboarding/control">
+  <Id Name="d69996e1-3d61-4686-9b63-f1b855c596ab" Revision="1" Stencil="7276b9ef-3953-4dce-a89b-ed85f20b8b93" StencilVersion="1.0"/>
+</Control>
+</file>
+
+<file path=customXml/item6.xml><?xml version="1.0" encoding="utf-8"?>
+<Control xmlns="http://schemas.microsoft.com/VisualStudio/2011/storyboarding/control">
+  <Id Name="a2191c86-fc50-4add-948c-129f6b5a88d8" Revision="1" Stencil="7276b9ef-3953-4dce-a89b-ed85f20b8b93" StencilVersion="1.0"/>
+</Control>
+</file>
+
+<file path=customXml/item7.xml><?xml version="1.0" encoding="utf-8"?>
+<p:properties xmlns:p="http://schemas.microsoft.com/office/2006/metadata/properties" xmlns:xsi="http://www.w3.org/2001/XMLSchema-instance" xmlns:pc="http://schemas.microsoft.com/office/infopath/2007/PartnerControls">
+  <documentManagement>
+    <SharedWithUsers xmlns="83cd2334-221a-48c3-9034-bfd1542dfe28">
+      <UserInfo>
+        <DisplayName>Gilad Turbahn</DisplayName>
+        <AccountId>511</AccountId>
+        <AccountType/>
+      </UserInfo>
+      <UserInfo>
+        <DisplayName>Keith Boyd</DisplayName>
+        <AccountId>993</AccountId>
+        <AccountType/>
+      </UserInfo>
+      <UserInfo>
+        <DisplayName>Christopher Harrison</DisplayName>
+        <AccountId>1176</AccountId>
+        <AccountType/>
+      </UserInfo>
+    </SharedWithUsers>
+  </documentManagement>
+</p:properties>
+</file>
+
+<file path=customXml/item8.xml><?xml version="1.0" encoding="utf-8"?>
+<Control xmlns="http://schemas.microsoft.com/VisualStudio/2011/storyboarding/control">
+  <Id Name="369f9055-6b6c-48b9-9320-5df2d46c430a" Revision="1" Stencil="7276b9ef-3953-4dce-a89b-ed85f20b8b93" StencilVersion="1.0"/>
+</Control>
+</file>
+
+<file path=customXml/item9.xml><?xml version="1.0" encoding="utf-8"?>
+<Control xmlns="http://schemas.microsoft.com/VisualStudio/2011/storyboarding/control">
+  <Id Name="fb22c541-ded0-47fa-8877-83a4c2d16227" Revision="1" Stencil="7276b9ef-3953-4dce-a89b-ed85f20b8b93" StencilVersion="1.0"/>
+</Control>
+</file>
+
 <file path=customXml/itemProps1.xml><?xml version="1.0" encoding="utf-8"?>
-<ds:datastoreItem xmlns:ds="http://schemas.openxmlformats.org/officeDocument/2006/customXml" ds:itemID="{6FB9D450-4C47-4A44-8C0D-C78D8A54C46F}">
+<ds:datastoreItem xmlns:ds="http://schemas.openxmlformats.org/officeDocument/2006/customXml" ds:itemID="{38217AA1-CC95-49A9-B284-2ED4D347D7CA}">
   <ds:schemaRefs>
     <ds:schemaRef ds:uri="http://schemas.microsoft.com/VisualStudio/2011/storyboarding/control"/>
   </ds:schemaRefs>
@@ -52155,6 +52109,14 @@
 </file>
 
 <file path=customXml/itemProps10.xml><?xml version="1.0" encoding="utf-8"?>
+<ds:datastoreItem xmlns:ds="http://schemas.openxmlformats.org/officeDocument/2006/customXml" ds:itemID="{432851C6-BC05-4673-B853-6D08AB80CDC4}">
+  <ds:schemaRefs>
+    <ds:schemaRef ds:uri="http://schemas.microsoft.com/VisualStudio/2011/storyboarding/control"/>
+  </ds:schemaRefs>
+</ds:datastoreItem>
+</file>
+
+<file path=customXml/itemProps11.xml><?xml version="1.0" encoding="utf-8"?>
 <ds:datastoreItem xmlns:ds="http://schemas.openxmlformats.org/officeDocument/2006/customXml" ds:itemID="{C0F92A87-A216-45A9-B9C0-0515663D35BF}">
   <ds:schemaRefs>
     <ds:schemaRef ds:uri="http://schemas.microsoft.com/VisualStudio/2011/storyboarding/control"/>
@@ -52162,15 +52124,111 @@
 </ds:datastoreItem>
 </file>
 
-<file path=customXml/itemProps11.xml><?xml version="1.0" encoding="utf-8"?>
-<ds:datastoreItem xmlns:ds="http://schemas.openxmlformats.org/officeDocument/2006/customXml" ds:itemID="{F68D8396-E21C-4AFF-8FDD-70D00673D0EE}">
+<file path=customXml/itemProps12.xml><?xml version="1.0" encoding="utf-8"?>
+<ds:datastoreItem xmlns:ds="http://schemas.openxmlformats.org/officeDocument/2006/customXml" ds:itemID="{42D603BF-B513-4201-A599-21BA0F4FFC40}">
   <ds:schemaRefs>
     <ds:schemaRef ds:uri="http://schemas.microsoft.com/VisualStudio/2011/storyboarding/control"/>
   </ds:schemaRefs>
 </ds:datastoreItem>
 </file>
 
-<file path=customXml/itemProps12.xml><?xml version="1.0" encoding="utf-8"?>
+<file path=customXml/itemProps13.xml><?xml version="1.0" encoding="utf-8"?>
+<ds:datastoreItem xmlns:ds="http://schemas.openxmlformats.org/officeDocument/2006/customXml" ds:itemID="{D4B5F268-5930-44CD-BDF1-D0A04D4BBC1C}">
+  <ds:schemaRefs>
+    <ds:schemaRef ds:uri="http://schemas.microsoft.com/VisualStudio/2011/storyboarding/control"/>
+  </ds:schemaRefs>
+</ds:datastoreItem>
+</file>
+
+<file path=customXml/itemProps14.xml><?xml version="1.0" encoding="utf-8"?>
+<ds:datastoreItem xmlns:ds="http://schemas.openxmlformats.org/officeDocument/2006/customXml" ds:itemID="{0282FB20-2D4C-459D-8468-77D1D3C6925D}">
+  <ds:schemaRefs>
+    <ds:schemaRef ds:uri="http://schemas.microsoft.com/VisualStudio/2011/storyboarding/control"/>
+  </ds:schemaRefs>
+</ds:datastoreItem>
+</file>
+
+<file path=customXml/itemProps15.xml><?xml version="1.0" encoding="utf-8"?>
+<ds:datastoreItem xmlns:ds="http://schemas.openxmlformats.org/officeDocument/2006/customXml" ds:itemID="{4E805D65-1532-4BB0-8F41-8013167C0009}">
+  <ds:schemaRefs>
+    <ds:schemaRef ds:uri="http://schemas.microsoft.com/VisualStudio/2011/storyboarding/control"/>
+  </ds:schemaRefs>
+</ds:datastoreItem>
+</file>
+
+<file path=customXml/itemProps16.xml><?xml version="1.0" encoding="utf-8"?>
+<ds:datastoreItem xmlns:ds="http://schemas.openxmlformats.org/officeDocument/2006/customXml" ds:itemID="{50326EE5-754B-4E02-99C4-DDA8AB4ABBEE}">
+  <ds:schemaRefs>
+    <ds:schemaRef ds:uri="http://schemas.microsoft.com/sharepoint/v3/contenttype/forms"/>
+  </ds:schemaRefs>
+</ds:datastoreItem>
+</file>
+
+<file path=customXml/itemProps17.xml><?xml version="1.0" encoding="utf-8"?>
+<ds:datastoreItem xmlns:ds="http://schemas.openxmlformats.org/officeDocument/2006/customXml" ds:itemID="{FE651ABA-5DC1-4ABD-A06E-055AE54B337B}">
+  <ds:schemaRefs>
+    <ds:schemaRef ds:uri="http://schemas.microsoft.com/VisualStudio/2011/storyboarding/control"/>
+  </ds:schemaRefs>
+</ds:datastoreItem>
+</file>
+
+<file path=customXml/itemProps18.xml><?xml version="1.0" encoding="utf-8"?>
+<ds:datastoreItem xmlns:ds="http://schemas.openxmlformats.org/officeDocument/2006/customXml" ds:itemID="{ED350DFE-2319-4AB0-BC96-1D36D125365A}">
+  <ds:schemaRefs>
+    <ds:schemaRef ds:uri="http://schemas.microsoft.com/VisualStudio/2011/storyboarding/control"/>
+  </ds:schemaRefs>
+</ds:datastoreItem>
+</file>
+
+<file path=customXml/itemProps19.xml><?xml version="1.0" encoding="utf-8"?>
+<ds:datastoreItem xmlns:ds="http://schemas.openxmlformats.org/officeDocument/2006/customXml" ds:itemID="{376216F9-AF6B-4844-AE8C-B9F953F916AB}">
+  <ds:schemaRefs>
+    <ds:schemaRef ds:uri="http://schemas.microsoft.com/VisualStudio/2011/storyboarding/control"/>
+  </ds:schemaRefs>
+</ds:datastoreItem>
+</file>
+
+<file path=customXml/itemProps2.xml><?xml version="1.0" encoding="utf-8"?>
+<ds:datastoreItem xmlns:ds="http://schemas.openxmlformats.org/officeDocument/2006/customXml" ds:itemID="{29A419E7-5506-4231-819E-32B0D2087F4E}">
+  <ds:schemaRefs>
+    <ds:schemaRef ds:uri="http://schemas.microsoft.com/office/infopath/2007/PartnerControls"/>
+    <ds:schemaRef ds:uri="http://purl.org/dc/dcmitype/"/>
+    <ds:schemaRef ds:uri="http://schemas.microsoft.com/office/2006/metadata/properties"/>
+    <ds:schemaRef ds:uri="83cd2334-221a-48c3-9034-bfd1542dfe28"/>
+    <ds:schemaRef ds:uri="http://purl.org/dc/elements/1.1/"/>
+    <ds:schemaRef ds:uri="http://purl.org/dc/terms/"/>
+    <ds:schemaRef ds:uri="http://schemas.openxmlformats.org/package/2006/metadata/core-properties"/>
+    <ds:schemaRef ds:uri="http://schemas.microsoft.com/office/2006/documentManagement/types"/>
+    <ds:schemaRef ds:uri="http://www.w3.org/XML/1998/namespace"/>
+  </ds:schemaRefs>
+</ds:datastoreItem>
+</file>
+
+<file path=customXml/itemProps20.xml><?xml version="1.0" encoding="utf-8"?>
+<ds:datastoreItem xmlns:ds="http://schemas.openxmlformats.org/officeDocument/2006/customXml" ds:itemID="{8BD595CA-AC5E-43B9-B966-E468A16E8322}">
+  <ds:schemaRefs>
+    <ds:schemaRef ds:uri="http://schemas.microsoft.com/VisualStudio/2011/storyboarding/control"/>
+  </ds:schemaRefs>
+</ds:datastoreItem>
+</file>
+
+<file path=customXml/itemProps21.xml><?xml version="1.0" encoding="utf-8"?>
+<ds:datastoreItem xmlns:ds="http://schemas.openxmlformats.org/officeDocument/2006/customXml" ds:itemID="{758FDAC0-319D-4A54-8D8E-1D42CB1F8004}">
+  <ds:schemaRefs>
+    <ds:schemaRef ds:uri="http://schemas.microsoft.com/sharepoint/v3/contenttype/forms"/>
+  </ds:schemaRefs>
+</ds:datastoreItem>
+</file>
+
+<file path=customXml/itemProps22.xml><?xml version="1.0" encoding="utf-8"?>
+<ds:datastoreItem xmlns:ds="http://schemas.openxmlformats.org/officeDocument/2006/customXml" ds:itemID="{8257D6BC-B71E-4D95-81E4-A1D4A8174168}">
+  <ds:schemaRefs>
+    <ds:schemaRef ds:uri="http://schemas.microsoft.com/VisualStudio/2011/storyboarding/control"/>
+  </ds:schemaRefs>
+</ds:datastoreItem>
+</file>
+
+<file path=customXml/itemProps23.xml><?xml version="1.0" encoding="utf-8"?>
 <ds:datastoreItem xmlns:ds="http://schemas.openxmlformats.org/officeDocument/2006/customXml" ds:itemID="{7959CC6A-F423-4783-B968-3BCC86A7394E}">
   <ds:schemaRefs>
     <ds:schemaRef ds:uri="http://schemas.microsoft.com/VisualStudio/2011/storyboarding/control"/>
@@ -52178,106 +52236,8 @@
 </ds:datastoreItem>
 </file>
 
-<file path=customXml/itemProps13.xml><?xml version="1.0" encoding="utf-8"?>
-<ds:datastoreItem xmlns:ds="http://schemas.openxmlformats.org/officeDocument/2006/customXml" ds:itemID="{8893E80D-6D0C-4E0F-AA22-E5615BB87E5B}">
-  <ds:schemaRefs>
-    <ds:schemaRef ds:uri="http://schemas.microsoft.com/VisualStudio/2011/storyboarding/control"/>
-  </ds:schemaRefs>
-</ds:datastoreItem>
-</file>
-
-<file path=customXml/itemProps14.xml><?xml version="1.0" encoding="utf-8"?>
-<ds:datastoreItem xmlns:ds="http://schemas.openxmlformats.org/officeDocument/2006/customXml" ds:itemID="{50326EE5-754B-4E02-99C4-DDA8AB4ABBEE}">
-  <ds:schemaRefs>
-    <ds:schemaRef ds:uri="http://schemas.microsoft.com/sharepoint/v3/contenttype/forms"/>
-  </ds:schemaRefs>
-</ds:datastoreItem>
-</file>
-
-<file path=customXml/itemProps15.xml><?xml version="1.0" encoding="utf-8"?>
-<ds:datastoreItem xmlns:ds="http://schemas.openxmlformats.org/officeDocument/2006/customXml" ds:itemID="{82DB428A-B8F8-483F-8276-095629A8ECDB}">
-  <ds:schemaRefs>
-    <ds:schemaRef ds:uri="http://schemas.microsoft.com/VisualStudio/2011/storyboarding/control"/>
-  </ds:schemaRefs>
-</ds:datastoreItem>
-</file>
-
-<file path=customXml/itemProps16.xml><?xml version="1.0" encoding="utf-8"?>
-<ds:datastoreItem xmlns:ds="http://schemas.openxmlformats.org/officeDocument/2006/customXml" ds:itemID="{29A419E7-5506-4231-819E-32B0D2087F4E}">
-  <ds:schemaRefs>
-    <ds:schemaRef ds:uri="http://schemas.microsoft.com/office/2006/metadata/properties"/>
-    <ds:schemaRef ds:uri="http://schemas.microsoft.com/office/infopath/2007/PartnerControls"/>
-    <ds:schemaRef ds:uri="83cd2334-221a-48c3-9034-bfd1542dfe28"/>
-  </ds:schemaRefs>
-</ds:datastoreItem>
-</file>
-
-<file path=customXml/itemProps17.xml><?xml version="1.0" encoding="utf-8"?>
+<file path=customXml/itemProps24.xml><?xml version="1.0" encoding="utf-8"?>
 <ds:datastoreItem xmlns:ds="http://schemas.openxmlformats.org/officeDocument/2006/customXml" ds:itemID="{0B54C583-7BAB-4080-8093-C5F84F5A225A}">
-  <ds:schemaRefs>
-    <ds:schemaRef ds:uri="http://schemas.microsoft.com/VisualStudio/2011/storyboarding/control"/>
-  </ds:schemaRefs>
-</ds:datastoreItem>
-</file>
-
-<file path=customXml/itemProps18.xml><?xml version="1.0" encoding="utf-8"?>
-<ds:datastoreItem xmlns:ds="http://schemas.openxmlformats.org/officeDocument/2006/customXml" ds:itemID="{366CA990-F93D-4100-9654-65D9E30F4E1C}">
-  <ds:schemaRefs>
-    <ds:schemaRef ds:uri="http://schemas.microsoft.com/VisualStudio/2011/storyboarding/control"/>
-  </ds:schemaRefs>
-</ds:datastoreItem>
-</file>
-
-<file path=customXml/itemProps19.xml><?xml version="1.0" encoding="utf-8"?>
-<ds:datastoreItem xmlns:ds="http://schemas.openxmlformats.org/officeDocument/2006/customXml" ds:itemID="{42D603BF-B513-4201-A599-21BA0F4FFC40}">
-  <ds:schemaRefs>
-    <ds:schemaRef ds:uri="http://schemas.microsoft.com/VisualStudio/2011/storyboarding/control"/>
-  </ds:schemaRefs>
-</ds:datastoreItem>
-</file>
-
-<file path=customXml/itemProps2.xml><?xml version="1.0" encoding="utf-8"?>
-<ds:datastoreItem xmlns:ds="http://schemas.openxmlformats.org/officeDocument/2006/customXml" ds:itemID="{38217AA1-CC95-49A9-B284-2ED4D347D7CA}">
-  <ds:schemaRefs>
-    <ds:schemaRef ds:uri="http://schemas.microsoft.com/VisualStudio/2011/storyboarding/control"/>
-  </ds:schemaRefs>
-</ds:datastoreItem>
-</file>
-
-<file path=customXml/itemProps20.xml><?xml version="1.0" encoding="utf-8"?>
-<ds:datastoreItem xmlns:ds="http://schemas.openxmlformats.org/officeDocument/2006/customXml" ds:itemID="{21F6B647-976A-41D0-B760-9DF9DFC6AE3C}">
-  <ds:schemaRefs>
-    <ds:schemaRef ds:uri="http://schemas.microsoft.com/VisualStudio/2011/storyboarding/control"/>
-  </ds:schemaRefs>
-</ds:datastoreItem>
-</file>
-
-<file path=customXml/itemProps21.xml><?xml version="1.0" encoding="utf-8"?>
-<ds:datastoreItem xmlns:ds="http://schemas.openxmlformats.org/officeDocument/2006/customXml" ds:itemID="{3DC6CABD-46E1-4C27-A0B3-616DC56F8E5C}">
-  <ds:schemaRefs>
-    <ds:schemaRef ds:uri="http://schemas.microsoft.com/VisualStudio/2011/storyboarding/control"/>
-  </ds:schemaRefs>
-</ds:datastoreItem>
-</file>
-
-<file path=customXml/itemProps22.xml><?xml version="1.0" encoding="utf-8"?>
-<ds:datastoreItem xmlns:ds="http://schemas.openxmlformats.org/officeDocument/2006/customXml" ds:itemID="{FE651ABA-5DC1-4ABD-A06E-055AE54B337B}">
-  <ds:schemaRefs>
-    <ds:schemaRef ds:uri="http://schemas.microsoft.com/VisualStudio/2011/storyboarding/control"/>
-  </ds:schemaRefs>
-</ds:datastoreItem>
-</file>
-
-<file path=customXml/itemProps23.xml><?xml version="1.0" encoding="utf-8"?>
-<ds:datastoreItem xmlns:ds="http://schemas.openxmlformats.org/officeDocument/2006/customXml" ds:itemID="{B5105A87-47B6-44F6-97FD-4619C0556604}">
-  <ds:schemaRefs>
-    <ds:schemaRef ds:uri="http://schemas.microsoft.com/VisualStudio/2011/storyboarding/control"/>
-  </ds:schemaRefs>
-</ds:datastoreItem>
-</file>
-
-<file path=customXml/itemProps24.xml><?xml version="1.0" encoding="utf-8"?>
-<ds:datastoreItem xmlns:ds="http://schemas.openxmlformats.org/officeDocument/2006/customXml" ds:itemID="{67213E6F-7B96-4222-888B-63710B06D885}">
   <ds:schemaRefs>
     <ds:schemaRef ds:uri="http://schemas.microsoft.com/VisualStudio/2011/storyboarding/control"/>
   </ds:schemaRefs>
@@ -52293,7 +52253,7 @@
 </file>
 
 <file path=customXml/itemProps26.xml><?xml version="1.0" encoding="utf-8"?>
-<ds:datastoreItem xmlns:ds="http://schemas.openxmlformats.org/officeDocument/2006/customXml" ds:itemID="{C63AC2F0-1DEB-4E91-A88A-7A014A172F4F}">
+<ds:datastoreItem xmlns:ds="http://schemas.openxmlformats.org/officeDocument/2006/customXml" ds:itemID="{D6FEE829-2115-45B4-8110-670FD454542B}">
   <ds:schemaRefs>
     <ds:schemaRef ds:uri="http://schemas.microsoft.com/VisualStudio/2011/storyboarding/control"/>
   </ds:schemaRefs>
@@ -52301,7 +52261,7 @@
 </file>
 
 <file path=customXml/itemProps27.xml><?xml version="1.0" encoding="utf-8"?>
-<ds:datastoreItem xmlns:ds="http://schemas.openxmlformats.org/officeDocument/2006/customXml" ds:itemID="{ED350DFE-2319-4AB0-BC96-1D36D125365A}">
+<ds:datastoreItem xmlns:ds="http://schemas.openxmlformats.org/officeDocument/2006/customXml" ds:itemID="{21F6B647-976A-41D0-B760-9DF9DFC6AE3C}">
   <ds:schemaRefs>
     <ds:schemaRef ds:uri="http://schemas.microsoft.com/VisualStudio/2011/storyboarding/control"/>
   </ds:schemaRefs>
@@ -52309,7 +52269,7 @@
 </file>
 
 <file path=customXml/itemProps28.xml><?xml version="1.0" encoding="utf-8"?>
-<ds:datastoreItem xmlns:ds="http://schemas.openxmlformats.org/officeDocument/2006/customXml" ds:itemID="{432851C6-BC05-4673-B853-6D08AB80CDC4}">
+<ds:datastoreItem xmlns:ds="http://schemas.openxmlformats.org/officeDocument/2006/customXml" ds:itemID="{6FB9D450-4C47-4A44-8C0D-C78D8A54C46F}">
   <ds:schemaRefs>
     <ds:schemaRef ds:uri="http://schemas.microsoft.com/VisualStudio/2011/storyboarding/control"/>
   </ds:schemaRefs>
@@ -52317,94 +52277,6 @@
 </file>
 
 <file path=customXml/itemProps29.xml><?xml version="1.0" encoding="utf-8"?>
-<ds:datastoreItem xmlns:ds="http://schemas.openxmlformats.org/officeDocument/2006/customXml" ds:itemID="{4E8278DB-3CDD-48A7-992E-A7596AD335B9}">
-  <ds:schemaRefs>
-    <ds:schemaRef ds:uri="http://schemas.microsoft.com/VisualStudio/2011/storyboarding/control"/>
-  </ds:schemaRefs>
-</ds:datastoreItem>
-</file>
-
-<file path=customXml/itemProps3.xml><?xml version="1.0" encoding="utf-8"?>
-<ds:datastoreItem xmlns:ds="http://schemas.openxmlformats.org/officeDocument/2006/customXml" ds:itemID="{8257D6BC-B71E-4D95-81E4-A1D4A8174168}">
-  <ds:schemaRefs>
-    <ds:schemaRef ds:uri="http://schemas.microsoft.com/VisualStudio/2011/storyboarding/control"/>
-  </ds:schemaRefs>
-</ds:datastoreItem>
-</file>
-
-<file path=customXml/itemProps30.xml><?xml version="1.0" encoding="utf-8"?>
-<ds:datastoreItem xmlns:ds="http://schemas.openxmlformats.org/officeDocument/2006/customXml" ds:itemID="{376216F9-AF6B-4844-AE8C-B9F953F916AB}">
-  <ds:schemaRefs>
-    <ds:schemaRef ds:uri="http://schemas.microsoft.com/VisualStudio/2011/storyboarding/control"/>
-  </ds:schemaRefs>
-</ds:datastoreItem>
-</file>
-
-<file path=customXml/itemProps31.xml><?xml version="1.0" encoding="utf-8"?>
-<ds:datastoreItem xmlns:ds="http://schemas.openxmlformats.org/officeDocument/2006/customXml" ds:itemID="{D4B5F268-5930-44CD-BDF1-D0A04D4BBC1C}">
-  <ds:schemaRefs>
-    <ds:schemaRef ds:uri="http://schemas.microsoft.com/VisualStudio/2011/storyboarding/control"/>
-  </ds:schemaRefs>
-</ds:datastoreItem>
-</file>
-
-<file path=customXml/itemProps32.xml><?xml version="1.0" encoding="utf-8"?>
-<ds:datastoreItem xmlns:ds="http://schemas.openxmlformats.org/officeDocument/2006/customXml" ds:itemID="{3C954CC5-1CAC-4EC3-9791-8630483065B9}">
-  <ds:schemaRefs>
-    <ds:schemaRef ds:uri="http://schemas.microsoft.com/VisualStudio/2011/storyboarding/control"/>
-  </ds:schemaRefs>
-</ds:datastoreItem>
-</file>
-
-<file path=customXml/itemProps33.xml><?xml version="1.0" encoding="utf-8"?>
-<ds:datastoreItem xmlns:ds="http://schemas.openxmlformats.org/officeDocument/2006/customXml" ds:itemID="{D6FEE829-2115-45B4-8110-670FD454542B}">
-  <ds:schemaRefs>
-    <ds:schemaRef ds:uri="http://schemas.microsoft.com/VisualStudio/2011/storyboarding/control"/>
-  </ds:schemaRefs>
-</ds:datastoreItem>
-</file>
-
-<file path=customXml/itemProps34.xml><?xml version="1.0" encoding="utf-8"?>
-<ds:datastoreItem xmlns:ds="http://schemas.openxmlformats.org/officeDocument/2006/customXml" ds:itemID="{4C1B3C27-4803-4D72-A3F8-6668A3F0A24B}">
-  <ds:schemaRefs>
-    <ds:schemaRef ds:uri="http://schemas.microsoft.com/VisualStudio/2011/storyboarding/control"/>
-  </ds:schemaRefs>
-</ds:datastoreItem>
-</file>
-
-<file path=customXml/itemProps35.xml><?xml version="1.0" encoding="utf-8"?>
-<ds:datastoreItem xmlns:ds="http://schemas.openxmlformats.org/officeDocument/2006/customXml" ds:itemID="{8BD595CA-AC5E-43B9-B966-E468A16E8322}">
-  <ds:schemaRefs>
-    <ds:schemaRef ds:uri="http://schemas.microsoft.com/VisualStudio/2011/storyboarding/control"/>
-  </ds:schemaRefs>
-</ds:datastoreItem>
-</file>
-
-<file path=customXml/itemProps4.xml><?xml version="1.0" encoding="utf-8"?>
-<ds:datastoreItem xmlns:ds="http://schemas.openxmlformats.org/officeDocument/2006/customXml" ds:itemID="{0282FB20-2D4C-459D-8468-77D1D3C6925D}">
-  <ds:schemaRefs>
-    <ds:schemaRef ds:uri="http://schemas.microsoft.com/VisualStudio/2011/storyboarding/control"/>
-  </ds:schemaRefs>
-</ds:datastoreItem>
-</file>
-
-<file path=customXml/itemProps5.xml><?xml version="1.0" encoding="utf-8"?>
-<ds:datastoreItem xmlns:ds="http://schemas.openxmlformats.org/officeDocument/2006/customXml" ds:itemID="{F990F116-B58F-4255-B05B-DA3808E0E5C6}">
-  <ds:schemaRefs>
-    <ds:schemaRef ds:uri="http://schemas.microsoft.com/office/2006/documentManagement/types"/>
-    <ds:schemaRef ds:uri="83cd2334-221a-48c3-9034-bfd1542dfe28"/>
-    <ds:schemaRef ds:uri="http://purl.org/dc/elements/1.1/"/>
-    <ds:schemaRef ds:uri="http://schemas.microsoft.com/office/2006/metadata/properties"/>
-    <ds:schemaRef ds:uri="http://purl.org/dc/terms/"/>
-    <ds:schemaRef ds:uri="http://schemas.microsoft.com/office/infopath/2007/PartnerControls"/>
-    <ds:schemaRef ds:uri="http://schemas.openxmlformats.org/package/2006/metadata/core-properties"/>
-    <ds:schemaRef ds:uri="http://www.w3.org/XML/1998/namespace"/>
-    <ds:schemaRef ds:uri="http://purl.org/dc/dcmitype/"/>
-  </ds:schemaRefs>
-</ds:datastoreItem>
-</file>
-
-<file path=customXml/itemProps6.xml><?xml version="1.0" encoding="utf-8"?>
 <ds:datastoreItem xmlns:ds="http://schemas.openxmlformats.org/officeDocument/2006/customXml" ds:itemID="{11F98F69-7518-4AE2-AE7B-E037DC9DDC97}">
   <ds:schemaRefs>
     <ds:schemaRef ds:uri="http://schemas.microsoft.com/office/2006/metadata/contentType"/>
@@ -52422,7 +52294,55 @@
 </ds:datastoreItem>
 </file>
 
-<file path=customXml/itemProps7.xml><?xml version="1.0" encoding="utf-8"?>
+<file path=customXml/itemProps3.xml><?xml version="1.0" encoding="utf-8"?>
+<ds:datastoreItem xmlns:ds="http://schemas.openxmlformats.org/officeDocument/2006/customXml" ds:itemID="{4E8278DB-3CDD-48A7-992E-A7596AD335B9}">
+  <ds:schemaRefs>
+    <ds:schemaRef ds:uri="http://schemas.microsoft.com/VisualStudio/2011/storyboarding/control"/>
+  </ds:schemaRefs>
+</ds:datastoreItem>
+</file>
+
+<file path=customXml/itemProps30.xml><?xml version="1.0" encoding="utf-8"?>
+<ds:datastoreItem xmlns:ds="http://schemas.openxmlformats.org/officeDocument/2006/customXml" ds:itemID="{8893E80D-6D0C-4E0F-AA22-E5615BB87E5B}">
+  <ds:schemaRefs>
+    <ds:schemaRef ds:uri="http://schemas.microsoft.com/VisualStudio/2011/storyboarding/control"/>
+  </ds:schemaRefs>
+</ds:datastoreItem>
+</file>
+
+<file path=customXml/itemProps31.xml><?xml version="1.0" encoding="utf-8"?>
+<ds:datastoreItem xmlns:ds="http://schemas.openxmlformats.org/officeDocument/2006/customXml" ds:itemID="{366CA990-F93D-4100-9654-65D9E30F4E1C}">
+  <ds:schemaRefs>
+    <ds:schemaRef ds:uri="http://schemas.microsoft.com/VisualStudio/2011/storyboarding/control"/>
+  </ds:schemaRefs>
+</ds:datastoreItem>
+</file>
+
+<file path=customXml/itemProps32.xml><?xml version="1.0" encoding="utf-8"?>
+<ds:datastoreItem xmlns:ds="http://schemas.openxmlformats.org/officeDocument/2006/customXml" ds:itemID="{C63AC2F0-1DEB-4E91-A88A-7A014A172F4F}">
+  <ds:schemaRefs>
+    <ds:schemaRef ds:uri="http://schemas.microsoft.com/VisualStudio/2011/storyboarding/control"/>
+  </ds:schemaRefs>
+</ds:datastoreItem>
+</file>
+
+<file path=customXml/itemProps33.xml><?xml version="1.0" encoding="utf-8"?>
+<ds:datastoreItem xmlns:ds="http://schemas.openxmlformats.org/officeDocument/2006/customXml" ds:itemID="{3DC6CABD-46E1-4C27-A0B3-616DC56F8E5C}">
+  <ds:schemaRefs>
+    <ds:schemaRef ds:uri="http://schemas.microsoft.com/VisualStudio/2011/storyboarding/control"/>
+  </ds:schemaRefs>
+</ds:datastoreItem>
+</file>
+
+<file path=customXml/itemProps34.xml><?xml version="1.0" encoding="utf-8"?>
+<ds:datastoreItem xmlns:ds="http://schemas.openxmlformats.org/officeDocument/2006/customXml" ds:itemID="{4C1B3C27-4803-4D72-A3F8-6668A3F0A24B}">
+  <ds:schemaRefs>
+    <ds:schemaRef ds:uri="http://schemas.microsoft.com/VisualStudio/2011/storyboarding/control"/>
+  </ds:schemaRefs>
+</ds:datastoreItem>
+</file>
+
+<file path=customXml/itemProps35.xml><?xml version="1.0" encoding="utf-8"?>
 <ds:datastoreItem xmlns:ds="http://schemas.openxmlformats.org/officeDocument/2006/customXml" ds:itemID="{4B16F4FE-7C26-4443-B426-81998D23ED87}">
   <ds:schemaRefs>
     <ds:schemaRef ds:uri="http://schemas.microsoft.com/VisualStudio/2011/storyboarding/control"/>
@@ -52430,16 +52350,56 @@
 </ds:datastoreItem>
 </file>
 
+<file path=customXml/itemProps4.xml><?xml version="1.0" encoding="utf-8"?>
+<ds:datastoreItem xmlns:ds="http://schemas.openxmlformats.org/officeDocument/2006/customXml" ds:itemID="{F68D8396-E21C-4AFF-8FDD-70D00673D0EE}">
+  <ds:schemaRefs>
+    <ds:schemaRef ds:uri="http://schemas.microsoft.com/VisualStudio/2011/storyboarding/control"/>
+  </ds:schemaRefs>
+</ds:datastoreItem>
+</file>
+
+<file path=customXml/itemProps5.xml><?xml version="1.0" encoding="utf-8"?>
+<ds:datastoreItem xmlns:ds="http://schemas.openxmlformats.org/officeDocument/2006/customXml" ds:itemID="{67213E6F-7B96-4222-888B-63710B06D885}">
+  <ds:schemaRefs>
+    <ds:schemaRef ds:uri="http://schemas.microsoft.com/VisualStudio/2011/storyboarding/control"/>
+  </ds:schemaRefs>
+</ds:datastoreItem>
+</file>
+
+<file path=customXml/itemProps6.xml><?xml version="1.0" encoding="utf-8"?>
+<ds:datastoreItem xmlns:ds="http://schemas.openxmlformats.org/officeDocument/2006/customXml" ds:itemID="{3C954CC5-1CAC-4EC3-9791-8630483065B9}">
+  <ds:schemaRefs>
+    <ds:schemaRef ds:uri="http://schemas.microsoft.com/VisualStudio/2011/storyboarding/control"/>
+  </ds:schemaRefs>
+</ds:datastoreItem>
+</file>
+
+<file path=customXml/itemProps7.xml><?xml version="1.0" encoding="utf-8"?>
+<ds:datastoreItem xmlns:ds="http://schemas.openxmlformats.org/officeDocument/2006/customXml" ds:itemID="{F990F116-B58F-4255-B05B-DA3808E0E5C6}">
+  <ds:schemaRefs>
+    <ds:schemaRef ds:uri="http://schemas.microsoft.com/office/2006/documentManagement/types"/>
+    <ds:schemaRef ds:uri="83cd2334-221a-48c3-9034-bfd1542dfe28"/>
+    <ds:schemaRef ds:uri="http://purl.org/dc/elements/1.1/"/>
+    <ds:schemaRef ds:uri="http://schemas.microsoft.com/office/2006/metadata/properties"/>
+    <ds:schemaRef ds:uri="http://purl.org/dc/terms/"/>
+    <ds:schemaRef ds:uri="http://schemas.microsoft.com/office/infopath/2007/PartnerControls"/>
+    <ds:schemaRef ds:uri="http://schemas.openxmlformats.org/package/2006/metadata/core-properties"/>
+    <ds:schemaRef ds:uri="http://www.w3.org/XML/1998/namespace"/>
+    <ds:schemaRef ds:uri="http://purl.org/dc/dcmitype/"/>
+  </ds:schemaRefs>
+</ds:datastoreItem>
+</file>
+
 <file path=customXml/itemProps8.xml><?xml version="1.0" encoding="utf-8"?>
-<ds:datastoreItem xmlns:ds="http://schemas.openxmlformats.org/officeDocument/2006/customXml" ds:itemID="{758FDAC0-319D-4A54-8D8E-1D42CB1F8004}">
+<ds:datastoreItem xmlns:ds="http://schemas.openxmlformats.org/officeDocument/2006/customXml" ds:itemID="{82DB428A-B8F8-483F-8276-095629A8ECDB}">
   <ds:schemaRefs>
-    <ds:schemaRef ds:uri="http://schemas.microsoft.com/sharepoint/v3/contenttype/forms"/>
+    <ds:schemaRef ds:uri="http://schemas.microsoft.com/VisualStudio/2011/storyboarding/control"/>
   </ds:schemaRefs>
 </ds:datastoreItem>
 </file>
 
 <file path=customXml/itemProps9.xml><?xml version="1.0" encoding="utf-8"?>
-<ds:datastoreItem xmlns:ds="http://schemas.openxmlformats.org/officeDocument/2006/customXml" ds:itemID="{4E805D65-1532-4BB0-8F41-8013167C0009}">
+<ds:datastoreItem xmlns:ds="http://schemas.openxmlformats.org/officeDocument/2006/customXml" ds:itemID="{B5105A87-47B6-44F6-97FD-4619C0556604}">
   <ds:schemaRefs>
     <ds:schemaRef ds:uri="http://schemas.microsoft.com/VisualStudio/2011/storyboarding/control"/>
   </ds:schemaRefs>
